--- a/PPT/毕业答辩.pptx
+++ b/PPT/毕业答辩.pptx
@@ -6857,6 +6857,16 @@
               <a:buNone/>
             </a:pPr>
             <a:r>
+              <a:rPr lang="zh-CN" altLang="en-US" sz="2000" b="1" dirty="0">
+                <a:solidFill>
+                  <a:schemeClr val="tx1"/>
+                </a:solidFill>
+                <a:latin typeface="宋体" panose="02010600030101010101" pitchFamily="2" charset="-122"/>
+                <a:ea typeface="宋体" panose="02010600030101010101" pitchFamily="2" charset="-122"/>
+              </a:rPr>
+              <a:t>时间：</a:t>
+            </a:r>
+            <a:r>
               <a:rPr lang="en-US" altLang="zh-CN" sz="2000" b="1" dirty="0">
                 <a:solidFill>
                   <a:schemeClr val="tx1"/>
@@ -6926,6 +6936,84 @@
           </a:p>
         </p:txBody>
       </p:sp>
+      <p:pic>
+        <p:nvPicPr>
+          <p:cNvPr id="8" name="图片 1"/>
+          <p:cNvPicPr>
+            <a:picLocks noChangeAspect="1" noChangeArrowheads="1"/>
+          </p:cNvPicPr>
+          <p:nvPr>
+            <p:custDataLst>
+              <p:tags r:id="rId2"/>
+            </p:custDataLst>
+          </p:nvPr>
+        </p:nvPicPr>
+        <p:blipFill>
+          <a:blip r:embed="rId3" cstate="print">
+            <a:extLst>
+              <a:ext uri="{28A0092B-C50C-407E-A947-70E740481C1C}">
+                <a14:useLocalDpi xmlns:a14="http://schemas.microsoft.com/office/drawing/2010/main" val="0"/>
+              </a:ext>
+            </a:extLst>
+          </a:blip>
+          <a:srcRect/>
+          <a:stretch>
+            <a:fillRect/>
+          </a:stretch>
+        </p:blipFill>
+        <p:spPr>
+          <a:xfrm>
+            <a:off x="3489325" y="1047750"/>
+            <a:ext cx="838200" cy="839470"/>
+          </a:xfrm>
+          <a:prstGeom prst="rect">
+            <a:avLst/>
+          </a:prstGeom>
+          <a:noFill/>
+          <a:ln>
+            <a:noFill/>
+          </a:ln>
+        </p:spPr>
+      </p:pic>
+      <p:pic>
+        <p:nvPicPr>
+          <p:cNvPr id="9" name="图片 2"/>
+          <p:cNvPicPr>
+            <a:picLocks noChangeAspect="1" noChangeArrowheads="1"/>
+          </p:cNvPicPr>
+          <p:nvPr>
+            <p:custDataLst>
+              <p:tags r:id="rId4"/>
+            </p:custDataLst>
+          </p:nvPr>
+        </p:nvPicPr>
+        <p:blipFill>
+          <a:blip r:embed="rId5">
+            <a:extLst>
+              <a:ext uri="{28A0092B-C50C-407E-A947-70E740481C1C}">
+                <a14:useLocalDpi xmlns:a14="http://schemas.microsoft.com/office/drawing/2010/main" val="0"/>
+              </a:ext>
+            </a:extLst>
+          </a:blip>
+          <a:srcRect/>
+          <a:stretch>
+            <a:fillRect/>
+          </a:stretch>
+        </p:blipFill>
+        <p:spPr>
+          <a:xfrm>
+            <a:off x="4327525" y="1047750"/>
+            <a:ext cx="3538220" cy="875030"/>
+          </a:xfrm>
+          <a:prstGeom prst="rect">
+            <a:avLst/>
+          </a:prstGeom>
+          <a:noFill/>
+          <a:ln>
+            <a:noFill/>
+          </a:ln>
+        </p:spPr>
+      </p:pic>
     </p:spTree>
   </p:cSld>
   <p:clrMapOvr>
@@ -6933,12 +7021,12 @@
   </p:clrMapOvr>
   <mc:AlternateContent xmlns:mc="http://schemas.openxmlformats.org/markup-compatibility/2006">
     <mc:Choice xmlns:p14="http://schemas.microsoft.com/office/powerpoint/2010/main" Requires="p14">
-      <p:transition spd="slow" p14:dur="1600" advClick="0" advTm="3000">
+      <p:transition spd="slow" p14:dur="1600">
         <p14:gallery dir="l"/>
       </p:transition>
     </mc:Choice>
     <mc:Fallback>
-      <p:transition spd="slow" advClick="0" advTm="3000">
+      <p:transition spd="slow">
         <p:fade/>
       </p:transition>
     </mc:Fallback>
@@ -7545,12 +7633,12 @@
   </p:clrMapOvr>
   <mc:AlternateContent xmlns:mc="http://schemas.openxmlformats.org/markup-compatibility/2006">
     <mc:Choice xmlns:p14="http://schemas.microsoft.com/office/powerpoint/2010/main" Requires="p14">
-      <p:transition spd="slow" p14:dur="1600" advClick="0" advTm="3000">
+      <p:transition spd="slow" p14:dur="1600">
         <p14:gallery dir="l"/>
       </p:transition>
     </mc:Choice>
     <mc:Fallback>
-      <p:transition spd="slow" advClick="0" advTm="3000">
+      <p:transition spd="slow">
         <p:fade/>
       </p:transition>
     </mc:Fallback>
@@ -8678,12 +8766,12 @@
   </p:clrMapOvr>
   <mc:AlternateContent xmlns:mc="http://schemas.openxmlformats.org/markup-compatibility/2006">
     <mc:Choice xmlns:p14="http://schemas.microsoft.com/office/powerpoint/2010/main" Requires="p14">
-      <p:transition spd="slow" p14:dur="1600" advClick="0" advTm="3000">
+      <p:transition spd="slow" p14:dur="1600">
         <p14:gallery dir="l"/>
       </p:transition>
     </mc:Choice>
     <mc:Fallback>
-      <p:transition spd="slow" advClick="0" advTm="3000">
+      <p:transition spd="slow">
         <p:fade/>
       </p:transition>
     </mc:Fallback>
@@ -9586,12 +9674,12 @@
   </p:clrMapOvr>
   <mc:AlternateContent xmlns:mc="http://schemas.openxmlformats.org/markup-compatibility/2006">
     <mc:Choice xmlns:p14="http://schemas.microsoft.com/office/powerpoint/2010/main" Requires="p14">
-      <p:transition spd="slow" p14:dur="1600" advClick="0" advTm="3000">
+      <p:transition spd="slow" p14:dur="1600">
         <p14:gallery dir="l"/>
       </p:transition>
     </mc:Choice>
     <mc:Fallback>
-      <p:transition spd="slow" advClick="0" advTm="3000">
+      <p:transition spd="slow">
         <p:fade/>
       </p:transition>
     </mc:Fallback>
@@ -11453,12 +11541,12 @@
   </p:clrMapOvr>
   <mc:AlternateContent xmlns:mc="http://schemas.openxmlformats.org/markup-compatibility/2006">
     <mc:Choice xmlns:p14="http://schemas.microsoft.com/office/powerpoint/2010/main" Requires="p14">
-      <p:transition spd="slow" p14:dur="1600" advClick="0" advTm="3000">
+      <p:transition spd="slow" p14:dur="1600">
         <p14:gallery dir="l"/>
       </p:transition>
     </mc:Choice>
     <mc:Fallback>
-      <p:transition spd="slow" advClick="0" advTm="3000">
+      <p:transition spd="slow">
         <p:fade/>
       </p:transition>
     </mc:Fallback>
@@ -11817,12 +11905,12 @@
   </p:clrMapOvr>
   <mc:AlternateContent xmlns:mc="http://schemas.openxmlformats.org/markup-compatibility/2006">
     <mc:Choice xmlns:p14="http://schemas.microsoft.com/office/powerpoint/2010/main" Requires="p14">
-      <p:transition spd="slow" p14:dur="1600" advClick="0" advTm="3000">
+      <p:transition spd="slow" p14:dur="1600">
         <p14:gallery dir="l"/>
       </p:transition>
     </mc:Choice>
     <mc:Fallback>
-      <p:transition spd="slow" advClick="0" advTm="3000">
+      <p:transition spd="slow">
         <p:fade/>
       </p:transition>
     </mc:Fallback>
@@ -12181,12 +12269,12 @@
   </p:clrMapOvr>
   <mc:AlternateContent xmlns:mc="http://schemas.openxmlformats.org/markup-compatibility/2006">
     <mc:Choice xmlns:p14="http://schemas.microsoft.com/office/powerpoint/2010/main" Requires="p14">
-      <p:transition spd="slow" p14:dur="1600" advClick="0" advTm="3000">
+      <p:transition spd="slow" p14:dur="1600">
         <p14:gallery dir="l"/>
       </p:transition>
     </mc:Choice>
     <mc:Fallback>
-      <p:transition spd="slow" advClick="0" advTm="3000">
+      <p:transition spd="slow">
         <p:fade/>
       </p:transition>
     </mc:Fallback>
@@ -12545,12 +12633,12 @@
   </p:clrMapOvr>
   <mc:AlternateContent xmlns:mc="http://schemas.openxmlformats.org/markup-compatibility/2006">
     <mc:Choice xmlns:p14="http://schemas.microsoft.com/office/powerpoint/2010/main" Requires="p14">
-      <p:transition spd="slow" p14:dur="1600" advClick="0" advTm="3000">
+      <p:transition spd="slow" p14:dur="1600">
         <p14:gallery dir="l"/>
       </p:transition>
     </mc:Choice>
     <mc:Fallback>
-      <p:transition spd="slow" advClick="0" advTm="3000">
+      <p:transition spd="slow">
         <p:fade/>
       </p:transition>
     </mc:Fallback>
@@ -13023,12 +13111,12 @@
   </p:clrMapOvr>
   <mc:AlternateContent xmlns:mc="http://schemas.openxmlformats.org/markup-compatibility/2006">
     <mc:Choice xmlns:p14="http://schemas.microsoft.com/office/powerpoint/2010/main" Requires="p14">
-      <p:transition spd="slow" p14:dur="1600" advClick="0" advTm="3000">
+      <p:transition spd="slow" p14:dur="1600">
         <p14:gallery dir="l"/>
       </p:transition>
     </mc:Choice>
     <mc:Fallback>
-      <p:transition spd="slow" advClick="0" advTm="3000">
+      <p:transition spd="slow">
         <p:fade/>
       </p:transition>
     </mc:Fallback>
@@ -15189,12 +15277,12 @@
   </p:clrMapOvr>
   <mc:AlternateContent xmlns:mc="http://schemas.openxmlformats.org/markup-compatibility/2006">
     <mc:Choice xmlns:p14="http://schemas.microsoft.com/office/powerpoint/2010/main" Requires="p14">
-      <p:transition spd="slow" p14:dur="1600" advClick="0" advTm="3000">
+      <p:transition spd="slow" p14:dur="1600">
         <p14:gallery dir="l"/>
       </p:transition>
     </mc:Choice>
     <mc:Fallback>
-      <p:transition spd="slow" advClick="0" advTm="3000">
+      <p:transition spd="slow">
         <p:fade/>
       </p:transition>
     </mc:Fallback>
@@ -15553,12 +15641,12 @@
   </p:clrMapOvr>
   <mc:AlternateContent xmlns:mc="http://schemas.openxmlformats.org/markup-compatibility/2006">
     <mc:Choice xmlns:p14="http://schemas.microsoft.com/office/powerpoint/2010/main" Requires="p14">
-      <p:transition spd="slow" p14:dur="1600" advClick="0" advTm="3000">
+      <p:transition spd="slow" p14:dur="1600">
         <p14:gallery dir="l"/>
       </p:transition>
     </mc:Choice>
     <mc:Fallback>
-      <p:transition spd="slow" advClick="0" advTm="3000">
+      <p:transition spd="slow">
         <p:fade/>
       </p:transition>
     </mc:Fallback>
@@ -16779,12 +16867,12 @@
   </p:clrMapOvr>
   <mc:AlternateContent xmlns:mc="http://schemas.openxmlformats.org/markup-compatibility/2006">
     <mc:Choice xmlns:p14="http://schemas.microsoft.com/office/powerpoint/2010/main" Requires="p14">
-      <p:transition spd="slow" p14:dur="1600" advClick="0" advTm="3000">
+      <p:transition spd="slow" p14:dur="1600">
         <p14:gallery dir="l"/>
       </p:transition>
     </mc:Choice>
     <mc:Fallback>
-      <p:transition spd="slow" advClick="0" advTm="3000">
+      <p:transition spd="slow">
         <p:fade/>
       </p:transition>
     </mc:Fallback>
@@ -17143,12 +17231,12 @@
   </p:clrMapOvr>
   <mc:AlternateContent xmlns:mc="http://schemas.openxmlformats.org/markup-compatibility/2006">
     <mc:Choice xmlns:p14="http://schemas.microsoft.com/office/powerpoint/2010/main" Requires="p14">
-      <p:transition spd="slow" p14:dur="1600" advClick="0" advTm="3000">
+      <p:transition spd="slow" p14:dur="1600">
         <p14:gallery dir="l"/>
       </p:transition>
     </mc:Choice>
     <mc:Fallback>
-      <p:transition spd="slow" advClick="0" advTm="3000">
+      <p:transition spd="slow">
         <p:fade/>
       </p:transition>
     </mc:Fallback>
@@ -17507,12 +17595,12 @@
   </p:clrMapOvr>
   <mc:AlternateContent xmlns:mc="http://schemas.openxmlformats.org/markup-compatibility/2006">
     <mc:Choice xmlns:p14="http://schemas.microsoft.com/office/powerpoint/2010/main" Requires="p14">
-      <p:transition spd="slow" p14:dur="1600" advClick="0" advTm="3000">
+      <p:transition spd="slow" p14:dur="1600">
         <p14:gallery dir="l"/>
       </p:transition>
     </mc:Choice>
     <mc:Fallback>
-      <p:transition spd="slow" advClick="0" advTm="3000">
+      <p:transition spd="slow">
         <p:fade/>
       </p:transition>
     </mc:Fallback>
@@ -17938,12 +18026,12 @@
   </p:clrMapOvr>
   <mc:AlternateContent xmlns:mc="http://schemas.openxmlformats.org/markup-compatibility/2006">
     <mc:Choice xmlns:p14="http://schemas.microsoft.com/office/powerpoint/2010/main" Requires="p14">
-      <p:transition spd="slow" p14:dur="1600" advClick="0" advTm="3000">
+      <p:transition spd="slow" p14:dur="1600">
         <p14:gallery dir="l"/>
       </p:transition>
     </mc:Choice>
     <mc:Fallback>
-      <p:transition spd="slow" advClick="0" advTm="3000">
+      <p:transition spd="slow">
         <p:fade/>
       </p:transition>
     </mc:Fallback>
@@ -18560,7 +18648,23 @@
                           <a:ea typeface="宋体" panose="02010600030101010101" pitchFamily="2" charset="-122"/>
                           <a:cs typeface="宋体" panose="02010600030101010101" pitchFamily="2" charset="-122"/>
                         </a:rPr>
-                        <a:t>散热带面积（m2）</a:t>
+                        <a:t>散热带面积（m</a:t>
+                      </a:r>
+                      <a:r>
+                        <a:rPr lang="en-US" sz="2400" b="0" baseline="30000">
+                          <a:latin typeface="宋体" panose="02010600030101010101" pitchFamily="2" charset="-122"/>
+                          <a:ea typeface="宋体" panose="02010600030101010101" pitchFamily="2" charset="-122"/>
+                          <a:cs typeface="宋体" panose="02010600030101010101" pitchFamily="2" charset="-122"/>
+                        </a:rPr>
+                        <a:t>2</a:t>
+                      </a:r>
+                      <a:r>
+                        <a:rPr lang="en-US" sz="2400" b="0">
+                          <a:latin typeface="宋体" panose="02010600030101010101" pitchFamily="2" charset="-122"/>
+                          <a:ea typeface="宋体" panose="02010600030101010101" pitchFamily="2" charset="-122"/>
+                          <a:cs typeface="宋体" panose="02010600030101010101" pitchFamily="2" charset="-122"/>
+                        </a:rPr>
+                        <a:t>）</a:t>
                       </a:r>
                       <a:endParaRPr lang="en-US" altLang="en-US" sz="2400" b="0">
                         <a:latin typeface="宋体" panose="02010600030101010101" pitchFamily="2" charset="-122"/>
@@ -18617,7 +18721,23 @@
                           <a:ea typeface="宋体" panose="02010600030101010101" pitchFamily="2" charset="-122"/>
                           <a:cs typeface="宋体" panose="02010600030101010101" pitchFamily="2" charset="-122"/>
                         </a:rPr>
-                        <a:t>氧化带面积（m2）</a:t>
+                        <a:t>氧化带面积（m</a:t>
+                      </a:r>
+                      <a:r>
+                        <a:rPr lang="en-US" sz="2400" b="0" baseline="30000">
+                          <a:latin typeface="宋体" panose="02010600030101010101" pitchFamily="2" charset="-122"/>
+                          <a:ea typeface="宋体" panose="02010600030101010101" pitchFamily="2" charset="-122"/>
+                          <a:cs typeface="宋体" panose="02010600030101010101" pitchFamily="2" charset="-122"/>
+                        </a:rPr>
+                        <a:t>2</a:t>
+                      </a:r>
+                      <a:r>
+                        <a:rPr lang="en-US" sz="2400" b="0">
+                          <a:latin typeface="宋体" panose="02010600030101010101" pitchFamily="2" charset="-122"/>
+                          <a:ea typeface="宋体" panose="02010600030101010101" pitchFamily="2" charset="-122"/>
+                          <a:cs typeface="宋体" panose="02010600030101010101" pitchFamily="2" charset="-122"/>
+                        </a:rPr>
+                        <a:t>）</a:t>
                       </a:r>
                       <a:endParaRPr lang="en-US" altLang="en-US" sz="2400" b="0">
                         <a:latin typeface="宋体" panose="02010600030101010101" pitchFamily="2" charset="-122"/>
@@ -18674,7 +18794,23 @@
                           <a:ea typeface="宋体" panose="02010600030101010101" pitchFamily="2" charset="-122"/>
                           <a:cs typeface="宋体" panose="02010600030101010101" pitchFamily="2" charset="-122"/>
                         </a:rPr>
-                        <a:t>窒息带面积（m2）</a:t>
+                        <a:t>窒息带面积（m</a:t>
+                      </a:r>
+                      <a:r>
+                        <a:rPr lang="en-US" sz="2400" b="0" baseline="30000">
+                          <a:latin typeface="宋体" panose="02010600030101010101" pitchFamily="2" charset="-122"/>
+                          <a:ea typeface="宋体" panose="02010600030101010101" pitchFamily="2" charset="-122"/>
+                          <a:cs typeface="宋体" panose="02010600030101010101" pitchFamily="2" charset="-122"/>
+                        </a:rPr>
+                        <a:t>2</a:t>
+                      </a:r>
+                      <a:r>
+                        <a:rPr lang="en-US" sz="2400" b="0">
+                          <a:latin typeface="宋体" panose="02010600030101010101" pitchFamily="2" charset="-122"/>
+                          <a:ea typeface="宋体" panose="02010600030101010101" pitchFamily="2" charset="-122"/>
+                          <a:cs typeface="宋体" panose="02010600030101010101" pitchFamily="2" charset="-122"/>
+                        </a:rPr>
+                        <a:t>）</a:t>
                       </a:r>
                       <a:endParaRPr lang="en-US" altLang="en-US" sz="2400" b="0">
                         <a:latin typeface="宋体" panose="02010600030101010101" pitchFamily="2" charset="-122"/>
@@ -19808,12 +19944,12 @@
   </p:clrMapOvr>
   <mc:AlternateContent xmlns:mc="http://schemas.openxmlformats.org/markup-compatibility/2006">
     <mc:Choice xmlns:p14="http://schemas.microsoft.com/office/powerpoint/2010/main" Requires="p14">
-      <p:transition spd="slow" p14:dur="1600" advClick="0" advTm="3000">
+      <p:transition spd="slow" p14:dur="1600">
         <p14:gallery dir="l"/>
       </p:transition>
     </mc:Choice>
     <mc:Fallback>
-      <p:transition spd="slow" advClick="0" advTm="3000">
+      <p:transition spd="slow">
         <p:fade/>
       </p:transition>
     </mc:Fallback>
@@ -20172,12 +20308,12 @@
   </p:clrMapOvr>
   <mc:AlternateContent xmlns:mc="http://schemas.openxmlformats.org/markup-compatibility/2006">
     <mc:Choice xmlns:p14="http://schemas.microsoft.com/office/powerpoint/2010/main" Requires="p14">
-      <p:transition spd="slow" p14:dur="1600" advClick="0" advTm="3000">
+      <p:transition spd="slow" p14:dur="1600">
         <p14:gallery dir="l"/>
       </p:transition>
     </mc:Choice>
     <mc:Fallback>
-      <p:transition spd="slow" advClick="0" advTm="3000">
+      <p:transition spd="slow">
         <p:fade/>
       </p:transition>
     </mc:Fallback>
@@ -20543,12 +20679,12 @@
   </p:clrMapOvr>
   <mc:AlternateContent xmlns:mc="http://schemas.openxmlformats.org/markup-compatibility/2006">
     <mc:Choice xmlns:p14="http://schemas.microsoft.com/office/powerpoint/2010/main" Requires="p14">
-      <p:transition spd="slow" p14:dur="1600" advClick="0" advTm="3000">
+      <p:transition spd="slow" p14:dur="1600">
         <p14:gallery dir="l"/>
       </p:transition>
     </mc:Choice>
     <mc:Fallback>
-      <p:transition spd="slow" advClick="0" advTm="3000">
+      <p:transition spd="slow">
         <p:fade/>
       </p:transition>
     </mc:Fallback>
@@ -20914,12 +21050,12 @@
   </p:clrMapOvr>
   <mc:AlternateContent xmlns:mc="http://schemas.openxmlformats.org/markup-compatibility/2006">
     <mc:Choice xmlns:p14="http://schemas.microsoft.com/office/powerpoint/2010/main" Requires="p14">
-      <p:transition spd="slow" p14:dur="1600" advClick="0" advTm="3000">
+      <p:transition spd="slow" p14:dur="1600">
         <p14:gallery dir="l"/>
       </p:transition>
     </mc:Choice>
     <mc:Fallback>
-      <p:transition spd="slow" advClick="0" advTm="3000">
+      <p:transition spd="slow">
         <p:fade/>
       </p:transition>
     </mc:Fallback>
@@ -21376,12 +21512,12 @@
   </p:clrMapOvr>
   <mc:AlternateContent xmlns:mc="http://schemas.openxmlformats.org/markup-compatibility/2006">
     <mc:Choice xmlns:p14="http://schemas.microsoft.com/office/powerpoint/2010/main" Requires="p14">
-      <p:transition spd="slow" p14:dur="1600" advClick="0" advTm="3000">
+      <p:transition spd="slow" p14:dur="1600">
         <p14:gallery dir="l"/>
       </p:transition>
     </mc:Choice>
     <mc:Fallback>
-      <p:transition spd="slow" advClick="0" advTm="3000">
+      <p:transition spd="slow">
         <p:fade/>
       </p:transition>
     </mc:Fallback>
@@ -23546,12 +23682,12 @@
   </p:clrMapOvr>
   <mc:AlternateContent xmlns:mc="http://schemas.openxmlformats.org/markup-compatibility/2006">
     <mc:Choice xmlns:p14="http://schemas.microsoft.com/office/powerpoint/2010/main" Requires="p14">
-      <p:transition spd="slow" p14:dur="1600" advClick="0" advTm="3000">
+      <p:transition spd="slow" p14:dur="1600">
         <p14:gallery dir="l"/>
       </p:transition>
     </mc:Choice>
     <mc:Fallback>
-      <p:transition spd="slow" advClick="0" advTm="3000">
+      <p:transition spd="slow">
         <p:fade/>
       </p:transition>
     </mc:Fallback>
@@ -23913,12 +24049,12 @@
   </p:clrMapOvr>
   <mc:AlternateContent xmlns:mc="http://schemas.openxmlformats.org/markup-compatibility/2006">
     <mc:Choice xmlns:p14="http://schemas.microsoft.com/office/powerpoint/2010/main" Requires="p14">
-      <p:transition spd="slow" p14:dur="1600" advClick="0" advTm="3000">
+      <p:transition spd="slow" p14:dur="1600">
         <p14:gallery dir="l"/>
       </p:transition>
     </mc:Choice>
     <mc:Fallback>
-      <p:transition spd="slow" advClick="0" advTm="3000">
+      <p:transition spd="slow">
         <p:fade/>
       </p:transition>
     </mc:Fallback>
@@ -23934,7 +24070,7 @@
 </file>
 
 <file path=ppt/slides/slide3.xml><?xml version="1.0" encoding="utf-8"?>
-<p:sld xmlns:a="http://schemas.openxmlformats.org/drawingml/2006/main" xmlns:r="http://schemas.openxmlformats.org/officeDocument/2006/relationships" xmlns:p="http://schemas.openxmlformats.org/presentationml/2006/main">
+<p:sld xmlns:a="http://schemas.openxmlformats.org/drawingml/2006/main" xmlns:r="http://schemas.openxmlformats.org/officeDocument/2006/relationships" xmlns:p="http://schemas.openxmlformats.org/presentationml/2006/main" show="0">
   <p:cSld>
     <p:spTree>
       <p:nvGrpSpPr>
@@ -24313,12 +24449,12 @@
   </p:clrMapOvr>
   <mc:AlternateContent xmlns:mc="http://schemas.openxmlformats.org/markup-compatibility/2006">
     <mc:Choice xmlns:p14="http://schemas.microsoft.com/office/powerpoint/2010/main" Requires="p14">
-      <p:transition spd="slow" p14:dur="1600" advClick="0" advTm="3000">
+      <p:transition spd="slow" p14:dur="1600">
         <p14:gallery dir="l"/>
       </p:transition>
     </mc:Choice>
     <mc:Fallback>
-      <p:transition spd="slow" advClick="0" advTm="3000">
+      <p:transition spd="slow">
         <p:fade/>
       </p:transition>
     </mc:Fallback>
@@ -24682,12 +24818,12 @@
   </p:clrMapOvr>
   <mc:AlternateContent xmlns:mc="http://schemas.openxmlformats.org/markup-compatibility/2006">
     <mc:Choice xmlns:p14="http://schemas.microsoft.com/office/powerpoint/2010/main" Requires="p14">
-      <p:transition spd="slow" p14:dur="1600" advClick="0" advTm="3000">
+      <p:transition spd="slow" p14:dur="1600">
         <p14:gallery dir="l"/>
       </p:transition>
     </mc:Choice>
     <mc:Fallback>
-      <p:transition spd="slow" advClick="0" advTm="3000">
+      <p:transition spd="slow">
         <p:fade/>
       </p:transition>
     </mc:Fallback>
@@ -25051,12 +25187,12 @@
   </p:clrMapOvr>
   <mc:AlternateContent xmlns:mc="http://schemas.openxmlformats.org/markup-compatibility/2006">
     <mc:Choice xmlns:p14="http://schemas.microsoft.com/office/powerpoint/2010/main" Requires="p14">
-      <p:transition spd="slow" p14:dur="1600" advClick="0" advTm="3000">
+      <p:transition spd="slow" p14:dur="1600">
         <p14:gallery dir="l"/>
       </p:transition>
     </mc:Choice>
     <mc:Fallback>
-      <p:transition spd="slow" advClick="0" advTm="3000">
+      <p:transition spd="slow">
         <p:fade/>
       </p:transition>
     </mc:Fallback>
@@ -25396,12 +25532,12 @@
   </p:clrMapOvr>
   <mc:AlternateContent xmlns:mc="http://schemas.openxmlformats.org/markup-compatibility/2006">
     <mc:Choice xmlns:p14="http://schemas.microsoft.com/office/powerpoint/2010/main" Requires="p14">
-      <p:transition spd="slow" p14:dur="1600" advClick="0" advTm="3000">
+      <p:transition spd="slow" p14:dur="1600">
         <p14:gallery dir="l"/>
       </p:transition>
     </mc:Choice>
     <mc:Fallback>
-      <p:transition spd="slow" advClick="0" advTm="3000">
+      <p:transition spd="slow">
         <p:fade/>
       </p:transition>
     </mc:Fallback>
@@ -25744,7 +25880,23 @@
                 <a:ea typeface="宋体" panose="02010600030101010101" pitchFamily="2" charset="-122"/>
                 <a:cs typeface="宋体" panose="02010600030101010101" pitchFamily="2" charset="-122"/>
               </a:rPr>
-              <a:t>观察数值模拟结果可得：在加入沿空留巷后，随着风速增加，散热带面积缓慢增加，呈线性变化，总面积都在2000m2以下。在工作面右侧散热带依旧呈下宽上窄的近似梯形分布，在距离出风口较近处呈圆弧状。随沿空留巷侧的风速逐渐增大，工作面一侧的散热带面积逐渐减小。在沿空留巷一侧的散热带整体呈“凸”字形分布，随风速增大范围不断扩大。氧化带整体呈“W”形分布，随风速扩大范围不断扩大，呈先慢后快的变化趋势。窒息带范围随风速的扩大不断减少，大致呈线性变化。</a:t>
+              <a:t>观察数值模拟结果可得：在加入沿空留巷后，随着风速增加，散热带面积缓慢增加，呈线性变化，总面积都在2000m</a:t>
+            </a:r>
+            <a:r>
+              <a:rPr lang="en-US" altLang="zh-CN" sz="2400" b="1" baseline="30000">
+                <a:latin typeface="宋体" panose="02010600030101010101" pitchFamily="2" charset="-122"/>
+                <a:ea typeface="宋体" panose="02010600030101010101" pitchFamily="2" charset="-122"/>
+                <a:cs typeface="宋体" panose="02010600030101010101" pitchFamily="2" charset="-122"/>
+              </a:rPr>
+              <a:t>2</a:t>
+            </a:r>
+            <a:r>
+              <a:rPr lang="en-US" altLang="zh-CN" sz="2400" b="1">
+                <a:latin typeface="宋体" panose="02010600030101010101" pitchFamily="2" charset="-122"/>
+                <a:ea typeface="宋体" panose="02010600030101010101" pitchFamily="2" charset="-122"/>
+                <a:cs typeface="宋体" panose="02010600030101010101" pitchFamily="2" charset="-122"/>
+              </a:rPr>
+              <a:t>以下。在工作面右侧散热带依旧呈下宽上窄的近似梯形分布，在距离出风口较近处呈圆弧状。随沿空留巷侧的风速逐渐增大，工作面一侧的散热带面积逐渐减小。在沿空留巷一侧的散热带整体呈“凸”字形分布，随风速增大范围不断扩大。氧化带整体呈“W”形分布，随风速扩大范围不断扩大，呈先慢后快的变化趋势。窒息带范围随风速的扩大不断减少，大致呈线性变化。</a:t>
             </a:r>
             <a:endParaRPr lang="en-US" altLang="zh-CN" sz="2400" b="1">
               <a:latin typeface="宋体" panose="02010600030101010101" pitchFamily="2" charset="-122"/>
@@ -25761,12 +25913,12 @@
   </p:clrMapOvr>
   <mc:AlternateContent xmlns:mc="http://schemas.openxmlformats.org/markup-compatibility/2006">
     <mc:Choice xmlns:p14="http://schemas.microsoft.com/office/powerpoint/2010/main" Requires="p14">
-      <p:transition spd="slow" p14:dur="1600" advClick="0" advTm="3000">
+      <p:transition spd="slow" p14:dur="1600">
         <p14:gallery dir="l"/>
       </p:transition>
     </mc:Choice>
     <mc:Fallback>
-      <p:transition spd="slow" advClick="0" advTm="3000">
+      <p:transition spd="slow">
         <p:fade/>
       </p:transition>
     </mc:Fallback>
@@ -26095,12 +26247,12 @@
   </p:clrMapOvr>
   <mc:AlternateContent xmlns:mc="http://schemas.openxmlformats.org/markup-compatibility/2006">
     <mc:Choice xmlns:p14="http://schemas.microsoft.com/office/powerpoint/2010/main" Requires="p14">
-      <p:transition spd="slow" p14:dur="1600" advClick="0" advTm="3000">
+      <p:transition spd="slow" p14:dur="1600">
         <p14:gallery dir="l"/>
       </p:transition>
     </mc:Choice>
     <mc:Fallback>
-      <p:transition spd="slow" advClick="0" advTm="3000">
+      <p:transition spd="slow">
         <p:fade/>
       </p:transition>
     </mc:Fallback>
@@ -26475,12 +26627,12 @@
   </p:clrMapOvr>
   <mc:AlternateContent xmlns:mc="http://schemas.openxmlformats.org/markup-compatibility/2006">
     <mc:Choice xmlns:p14="http://schemas.microsoft.com/office/powerpoint/2010/main" Requires="p14">
-      <p:transition spd="slow" p14:dur="1600" advClick="0" advTm="3000">
+      <p:transition spd="slow" p14:dur="1600">
         <p14:gallery dir="l"/>
       </p:transition>
     </mc:Choice>
     <mc:Fallback>
-      <p:transition spd="slow" advClick="0" advTm="3000">
+      <p:transition spd="slow">
         <p:fade/>
       </p:transition>
     </mc:Fallback>
@@ -26949,12 +27101,12 @@
   </p:clrMapOvr>
   <mc:AlternateContent xmlns:mc="http://schemas.openxmlformats.org/markup-compatibility/2006">
     <mc:Choice xmlns:p14="http://schemas.microsoft.com/office/powerpoint/2010/main" Requires="p14">
-      <p:transition spd="slow" p14:dur="1600" advClick="0" advTm="3000">
+      <p:transition spd="slow" p14:dur="1600">
         <p14:gallery dir="l"/>
       </p:transition>
     </mc:Choice>
     <mc:Fallback>
-      <p:transition spd="slow" advClick="0" advTm="3000">
+      <p:transition spd="slow">
         <p:fade/>
       </p:transition>
     </mc:Fallback>
@@ -28036,12 +28188,12 @@
   </p:clrMapOvr>
   <mc:AlternateContent xmlns:mc="http://schemas.openxmlformats.org/markup-compatibility/2006">
     <mc:Choice xmlns:p14="http://schemas.microsoft.com/office/powerpoint/2010/main" Requires="p14">
-      <p:transition spd="slow" p14:dur="1600" advClick="0" advTm="3000">
+      <p:transition spd="slow" p14:dur="1600">
         <p14:gallery dir="l"/>
       </p:transition>
     </mc:Choice>
     <mc:Fallback>
-      <p:transition spd="slow" advClick="0" advTm="3000">
+      <p:transition spd="slow">
         <p:fade/>
       </p:transition>
     </mc:Fallback>
@@ -28449,12 +28601,12 @@
   </p:clrMapOvr>
   <mc:AlternateContent xmlns:mc="http://schemas.openxmlformats.org/markup-compatibility/2006">
     <mc:Choice xmlns:p14="http://schemas.microsoft.com/office/powerpoint/2010/main" Requires="p14">
-      <p:transition spd="slow" p14:dur="1600" advClick="0" advTm="3000">
+      <p:transition spd="slow" p14:dur="1600">
         <p14:gallery dir="l"/>
       </p:transition>
     </mc:Choice>
     <mc:Fallback>
-      <p:transition spd="slow" advClick="0" advTm="3000">
+      <p:transition spd="slow">
         <p:fade/>
       </p:transition>
     </mc:Fallback>
@@ -28849,12 +29001,12 @@
   </p:clrMapOvr>
   <mc:AlternateContent xmlns:mc="http://schemas.openxmlformats.org/markup-compatibility/2006">
     <mc:Choice xmlns:p14="http://schemas.microsoft.com/office/powerpoint/2010/main" Requires="p14">
-      <p:transition spd="slow" p14:dur="1600" advClick="0" advTm="3000">
+      <p:transition spd="slow" p14:dur="1600">
         <p14:gallery dir="l"/>
       </p:transition>
     </mc:Choice>
     <mc:Fallback>
-      <p:transition spd="slow" advClick="0" advTm="3000">
+      <p:transition spd="slow">
         <p:fade/>
       </p:transition>
     </mc:Fallback>
@@ -29258,12 +29410,12 @@
   </p:clrMapOvr>
   <mc:AlternateContent xmlns:mc="http://schemas.openxmlformats.org/markup-compatibility/2006">
     <mc:Choice xmlns:p14="http://schemas.microsoft.com/office/powerpoint/2010/main" Requires="p14">
-      <p:transition spd="slow" p14:dur="1600" advClick="0" advTm="3000">
+      <p:transition spd="slow" p14:dur="1600">
         <p14:gallery dir="l"/>
       </p:transition>
     </mc:Choice>
     <mc:Fallback>
-      <p:transition spd="slow" advClick="0" advTm="3000">
+      <p:transition spd="slow">
         <p:fade/>
       </p:transition>
     </mc:Fallback>
@@ -29604,12 +29756,12 @@
   </p:clrMapOvr>
   <mc:AlternateContent xmlns:mc="http://schemas.openxmlformats.org/markup-compatibility/2006">
     <mc:Choice xmlns:p14="http://schemas.microsoft.com/office/powerpoint/2010/main" Requires="p14">
-      <p:transition spd="slow" p14:dur="1600" advClick="0" advTm="3000">
+      <p:transition spd="slow" p14:dur="1600">
         <p14:gallery dir="l"/>
       </p:transition>
     </mc:Choice>
     <mc:Fallback>
-      <p:transition spd="slow" advClick="0" advTm="3000">
+      <p:transition spd="slow">
         <p:fade/>
       </p:transition>
     </mc:Fallback>
@@ -29938,12 +30090,12 @@
   </p:clrMapOvr>
   <mc:AlternateContent xmlns:mc="http://schemas.openxmlformats.org/markup-compatibility/2006">
     <mc:Choice xmlns:p14="http://schemas.microsoft.com/office/powerpoint/2010/main" Requires="p14">
-      <p:transition spd="slow" p14:dur="1600" advClick="0" advTm="3000">
+      <p:transition spd="slow" p14:dur="1600">
         <p14:gallery dir="l"/>
       </p:transition>
     </mc:Choice>
     <mc:Fallback>
-      <p:transition spd="slow" advClick="0" advTm="3000">
+      <p:transition spd="slow">
         <p:fade/>
       </p:transition>
     </mc:Fallback>
@@ -33017,12 +33169,12 @@
   </p:clrMapOvr>
   <mc:AlternateContent xmlns:mc="http://schemas.openxmlformats.org/markup-compatibility/2006">
     <mc:Choice xmlns:p14="http://schemas.microsoft.com/office/powerpoint/2010/main" Requires="p14">
-      <p:transition spd="slow" p14:dur="1600" advClick="0" advTm="3000">
+      <p:transition spd="slow" p14:dur="1600">
         <p14:gallery dir="l"/>
       </p:transition>
     </mc:Choice>
     <mc:Fallback>
-      <p:transition spd="slow" advClick="0" advTm="3000">
+      <p:transition spd="slow">
         <p:fade/>
       </p:transition>
     </mc:Fallback>
@@ -33039,59 +33191,11 @@
 
 <file path=ppt/tags/tag1.xml><?xml version="1.0" encoding="utf-8"?>
 <p:tagLst xmlns:p="http://schemas.openxmlformats.org/presentationml/2006/main">
-  <p:tag name="KSO_WM_UNIT_TABLE_BEAUTIFY" val="smartTable{0e85eac2-a81e-46a9-adc5-6f99b5b9bdd8}"/>
-  <p:tag name="TABLE_ENDDRAG_ORIGIN_RECT" val="918*355"/>
-  <p:tag name="TABLE_ENDDRAG_RECT" val="41*184*918*355"/>
+  <p:tag name="KSO_WM_BEAUTIFY_FLAG" val=""/>
 </p:tagLst>
 </file>
 
-<file path=ppt/tags/tag2.xml><?xml version="1.0" encoding="utf-8"?>
-<p:tagLst xmlns:p="http://schemas.openxmlformats.org/presentationml/2006/main">
-  <p:tag name="KSO_WM_UNIT_FLASH_PICTURE_TYPE" val="1"/>
-</p:tagLst>
-</file>
-
-<file path=ppt/tags/tag3.xml><?xml version="1.0" encoding="utf-8"?>
-<p:tagLst xmlns:p="http://schemas.openxmlformats.org/presentationml/2006/main">
-  <p:tag name="KSO_WM_UNIT_TABLE_BEAUTIFY" val="smartTable{56f6d7db-e7be-4d6e-9fde-a29ae4bc16bf}"/>
-  <p:tag name="TABLE_ENDDRAG_ORIGIN_RECT" val="959*314"/>
-  <p:tag name="TABLE_ENDDRAG_RECT" val="0*226*960*314"/>
-</p:tagLst>
-</file>
-
-<file path=ppt/tags/tag4.xml><?xml version="1.0" encoding="utf-8"?>
-<p:tagLst xmlns:p="http://schemas.openxmlformats.org/presentationml/2006/main">
-  <p:tag name="KSO_WM_UNIT_TABLE_BEAUTIFY" val="smartTable{23b34eb5-f057-471b-a3e1-93e51de1880d}"/>
-  <p:tag name="TABLE_ENDDRAG_ORIGIN_RECT" val="960*455"/>
-  <p:tag name="TABLE_ENDDRAG_RECT" val="0*84*960*455"/>
-</p:tagLst>
-</file>
-
-<file path=ppt/tags/tag5.xml><?xml version="1.0" encoding="utf-8"?>
-<p:tagLst xmlns:p="http://schemas.openxmlformats.org/presentationml/2006/main">
-  <p:tag name="KSO_WM_UNIT_TABLE_BEAUTIFY" val="smartTable{79fc806b-1698-4a56-b19d-a65105b6cbd4}"/>
-  <p:tag name="TABLE_ENDDRAG_ORIGIN_RECT" val="959*348"/>
-  <p:tag name="TABLE_ENDDRAG_RECT" val="0*191*959*348"/>
-</p:tagLst>
-</file>
-
-<file path=ppt/tags/tag6.xml><?xml version="1.0" encoding="utf-8"?>
-<p:tagLst xmlns:p="http://schemas.openxmlformats.org/presentationml/2006/main">
-  <p:tag name="KSO_WM_UNIT_TABLE_BEAUTIFY" val="smartTable{959bd92b-9e79-477c-926e-b4f88ff021c6}"/>
-  <p:tag name="TABLE_ENDDRAG_ORIGIN_RECT" val="960*309"/>
-  <p:tag name="TABLE_ENDDRAG_RECT" val="0*230*960*309"/>
-</p:tagLst>
-</file>
-
-<file path=ppt/tags/tag7.xml><?xml version="1.0" encoding="utf-8"?>
-<p:tagLst xmlns:p="http://schemas.openxmlformats.org/presentationml/2006/main">
-  <p:tag name="KSO_WM_UNIT_TABLE_BEAUTIFY" val="smartTable{2e93a4d0-8f64-4dd1-b75e-6b0e4871c103}"/>
-  <p:tag name="TABLE_ENDDRAG_ORIGIN_RECT" val="955*377"/>
-  <p:tag name="TABLE_ENDDRAG_RECT" val="0*164*955*377"/>
-</p:tagLst>
-</file>
-
-<file path=ppt/tags/tag8.xml><?xml version="1.0" encoding="utf-8"?>
+<file path=ppt/tags/tag10.xml><?xml version="1.0" encoding="utf-8"?>
 <p:tagLst xmlns:p="http://schemas.openxmlformats.org/presentationml/2006/main">
   <p:tag name="KSO_WM_UNIT_TABLE_BEAUTIFY" val="smartTable{29a8e55f-2be2-4746-9946-bae77162b26f}"/>
   <p:tag name="TABLE_ENDDRAG_ORIGIN_RECT" val="960*356"/>
@@ -33099,7 +33203,7 @@
 </p:tagLst>
 </file>
 
-<file path=ppt/tags/tag9.xml><?xml version="1.0" encoding="utf-8"?>
+<file path=ppt/tags/tag11.xml><?xml version="1.0" encoding="utf-8"?>
 <p:tagLst xmlns:p="http://schemas.openxmlformats.org/presentationml/2006/main">
   <p:tag name="ISPRING_ULTRA_SCORM_COURSE_ID" val="F2791B7A-B348-4979-8664-4D9CC0888CC5"/>
   <p:tag name="ISPRING_SCORM_RATE_SLIDES" val="1"/>
@@ -33110,6 +33214,66 @@
   <p:tag name="ISPRING_PLAYERS_CUSTOMIZATION" val="UEsDBBQAAgAIAMhUF09QF1AfdgQAABERAAAdAAAAdW5pdmVyc2FsL2NvbW1vbl9tZXNzYWdlcy5sbmetWN1u2zYUvi/QdyAEFNiALW0HtCiGxIEsMTYRmXIlOk72A4GRGJuoJGb6cZtd9Xp7iV3tGXqxpxm699ghJSdxfyApCWADJuXzncNzvvND7R++y1K0EUUpVX5gPd97ZiGRxyqR+erAWrCj719ZqKx4nvBU5eLAypWFDkePH+2nPF/VfCXg9+NHCO1noixhWY706maNZHJgzceR48/mNj2LPH/iR2MysUaOyi55foU8tVK/FN/88PLVu+cvXn67/7SV7AMUzmzP24VCBunFsx5AlAW+FwEa9iKKT5k1+vjhz48f3v/3z1/DhP0F8wjF1qj9MUx6HuATrfqPnqoXQYApi0KPuDgiYUR9ZrziYYZda3SmarTmG4EqhTZSvEXVWkBMK1kIVKYyMQ9iBRt5LbqUuf7MJjQKcMgC4jDiU2sUqqK4+s7A8rpaqwLUlSiRJT9PRWJ0AnvM88tClKCaV8AuBJ9qLeGfKuMy3+tUHdhLQicR830vjDB1tzvWCOcJcguu1QxECewQBwBQ8FIUd5CNDN+MOLLTdBjClEymHnyZNmEqV+sUvtVQO+YYYjAXeZcUcAQHQLEwXPqBq50GqhBHl7ws36oi2eHH7UB1ARPq+EBBh90CZxpjCwwxllBDikLEVRfYDIehPcHR2D8FIlsj6g+R8I8h546HSJzhEFIEh10y1D4hE1sTXqfYlv/b/Iq5pnN6hXgcg5x230aquoQd7VLIApNp5d4wNSF+vYCwEdv7Sho3qOBds1rJjQA7ikQUnYqgyDjY1Sx6vSA/RUc28bAbAa1cfxkxU/y0xoxfoVxViCcbnscCnYuY18D1K3iWyMQ803E2+n+r5e+IV21VedIWJOri0ydD7dmpYV8wqy7BpqoS2WXVpVo7rDX/LlZoTn/VhD5Hv5v+0MHUDoj/MJEpZVanTdW9d3yuLRsao04j7ump/tF6aEvCpraOCRSssVT9JTB0U90/oAGm/aUIPQJF86ZEQw0n+cUAndRvAahCd8U4AVftmHACLhwgv8TjkDAYkJbivJRV59hhsrEJ0JdDG8PEl4pK3CTjubhQMOGkgm+a6QO6kIl0Z0BvDTc7rYIR5oHJFABXDXkAMpUZ2J/0wFzM8NYDTYHfOclS1WlikjeVb0yRB9/Wmfh8bLooVGZ2U15uyds0mcP7WNEcLmiUzge0/+v86x2fW+l39yiF2A6caeTY1MF65Ne5mvYUghTQrvBYGHn2WItDLmS8itfQTC9UnSc9gZqB3cVHNoC1Zw4FL+L1v+//7onxiSXNLmp3fxwEAomtqyC+BvuZqkqUv3aBMHu8K2cWfaTaC85Wrud9hxFg4YPcIXjTWjKVwdZet14geRs0mzHbmc4gD0JDe1UXMLoNQZjZwTHUMjOFW6MZL95AIWRKpYNQjKs1Aath2m/umHWVylwMkb1fK9EHZmQe2a5rbt2QfKmM3zQ9M4EbRdxev1O4fvcFc6Y2hTr7CZ5IZDUQ0LSmbRWCRG/WN2m++bxTXa9K8/Ji/+mtdxn/A1BLAwQUAAIACADIVBdPuxPRJTkDAACQDAAAJwAAAHVuaXZlcnNhbC9mbGFzaF9wdWJsaXNoaW5nX3NldHRpbmdzLnhtbNVX3W7aMBS+5yksT70saTu6diihqgpo1VpAhWnrVWViQ6w6dhY7UHrV6+0ldrVn6MWeZureY8cxUFC7Lv1B2oQQ8fn5zv+J8fcuYoFGLNVcyQBvljcwYjJUlMthgD/0muu7GGlDJCVCSRZgqTDaq5X8JOsLrqMuMwZENQIYqauJCXBkTFL1vPF4XOY6SS1XicwAvi6HKvaSlGkmDUu9RJAJ/JhJwjSeIhQAgG+s5FStVioh5DukY0UzwRCn4LnkNigimoLoCHtOrE/C82GqMkkPlFApSof9AL/a3befmYyDqvOYSZsTXQOiJZsqoZRbL4jo8kuGIsaHEbi7U8FozKmJArxVsSgg7d1FybFd6MSiHCjIgTRT+JgZQokh7ujsGXZh9IzgSHQiSczDHnCQjT/A9d7Zu9NO4+TosPX+rNduH/UOO86JXMdbxvG9ZUM+OKSyNGRzOz4xhoQR+A06AyI0871F0kxsoOSSc/aM+kpA7nMtaKO4z2iLxGyhGt1zLpsguYnRAAIRkwDvp5wIjLghgodzZZ31teEmr3pzURIBFrQnQ8ddfGveZSeMSKrZolszjrY5D2sfVSYomqgMCX7OkFEI4s9ieIoYWiwOGqQqzqnQPgZpwcHiiLMxo3t5TqeAfzJ0CibiDDShVxPBjLPwOeOXqM8GKgVcRkbQ2UDn2uGXHwWcEK1vQcnMx7Xu0WG9cXbYqjc+rdkACR0RGT4SHArO4sSsBJ9MkFRmpgfpCEmmWV4UymnOKxJb+ell0DzOhCvzSxdjAXqFJVmNlccU5q8eFDYbkVE+iHa4cmgYQQ4lcZjACGFdcJmxooAhkUhJMUEkhLWm7ViPuMo0UNwAO2j9dA+dPuIyPw1htYHFlLK0EOTG5tbryvabnd231bL38+r7+oNK04XfEcSacxv/4MGVP1/7d7eh79ktff/SNmn2b+7sm+svN9dXv358K5Lcm+uvxYVPG90iYq12Ean2+yJSJ+5101l41RRyAdbT0I0bLCjBY24Yfclme0LDPOst77ptNQ2zwpifMyT/TcjuNL8wLt0Qfe/eK6zlxFzyGBJhl+P83lvbrmzAnfNeVqkEaMv/Imql31BLAwQUAAIACADIVBdPfh21ZrcCAABQCgAAIQAAAHVuaXZlcnNhbC9mbGFzaF9za2luX3NldHRpbmdzLnhtbJVWbW/aMBD+vl+B2HfSvdJJKRKlTKrUrdVa9buTHImFY0e2Q8e/n8+xGxsIZJwq4bvn8b347miqtpQvPkwmaS6YkM+gNeWlQo3XTWhxM81arQWf5YJr4HrGhawJmy4+/rSfNLHISyyxAzmWsyE59G7m9jOG4nx8m6MMEXJRN4TvH0QpZhnJt6UULS8uhlbtG5CM8q1BXv2Yr9aDDhhV+l5DHcW0vkYZR2kkKAUY0vc1ykUWIxkw7+nKfkZyelfnsz+g7aii2tKWn1CGaA0pIS7y9RJlGM/N7fGrzFHOEzT81Qb65TPKIJSRPcj48ruvKIMM0bTN//RII0WJBY055x/xncMEKcz4YVRXKBcJmBA6uvgKrjw217sA5L6Gc5/iuErBnrCuBwsBHz1jsNCyhTTxp86mKvH22GozH7DYEKYMIFT1oCcT9BNplb8m1vW4P/BGeRGAnKJHvArW1rDq4g2Asb7Hr1a3dlWE8b3rggAl7JwyiLBX9sjfpqxHyEDZI58ZLeCRs/0R/NDScfwT3xL3mOerb6zAiTn6evmTt6KnBxxcFbh2Co+pRQELheG80Brw1dLE6rqQkqOYUk52tCSaCv4LcdneJqPS5MDgOu10X6Waagan2s3GaJZ0+F72HHejs8bt2P0o9Ml154k2O/xmSrQmeVWbHyU1nTieGRJTmGlymoFb0sBB3vONGMmpidyCfBGCjfXChYYQazMbAotusobgaRKUIE1OFzl1l5yqPm/rDOTaPBoF3zWxrsNVtKyY+dOvFN6giAkDxo6pK3MdJ/S9KQOF6wAgMq98y3aHzlK3TFMGO/CDHyhswkOZpcq06FC3LfUDbHTYb04zqiHdnugbJcTFhhOEVxOXiDdOaBjR85pkymYWjb3fwP3N0U72qwxbL9xi9uw6KbrY2I8raJT4n+Q/UEsDBBQAAgAIAMhUF097Gdv7DAMAAKELAAAmAAAAdW5pdmVyc2FsL2h0bWxfcHVibGlzaGluZ19zZXR0aW5ncy54bWzNVt9OWjEYv+cpmi5eylHnpiMHjBGMRCdEWDavTDktnMae9qztAfHK6+0ldrVn8GJPs7j32NdTQIiOHY0sCyHQ78/v+/+14d5VItCQacOVrOLN8gZGTEaKcjmo4g/dw/VdjIwlkhKhJKtiqTDaq5XCNOsJbuIOsxZEDQIYaSqpreLY2rQSBKPRqMxNqh1XicwCvilHKglSzQyTlukgFWQMP3acMoMnCAUA4JsoOVGrlUoIhR7pvaKZYIhT8FxyFxQRRzYROPBSPRJdDrTKJD1QQmmkB70qfrW77z5TGY9U5wmTLiWmBkRHthVCKXdOENHh1wzFjA9i8HZnG6MRpzau4q1thwLSwUOUHNtHThzKgYIUSDuBT5gllFjij96eZVfWTAmeRMeSJDzqAge58Ku43r04Om83zk6ap8cX3VbrpNtseydynWARJwwWDYXgkMp0xGZ2QmItiWLwG3T6RBgWBvOkqVhfyQXn3Bn1lIDU51oY9cFTMa7ifc2JwIhbIng041qiB8wecgExON3Ncl9afA/o441iog2bNzTlGJfFqPZRZYKiscqQ4JcMWYUgoiyBfzFD8+lGfa2SnCqIscgIThkacjZidC/P0gTwT4bOwUSSgSY0XyqY9RY+Z/wa9VhfacBlZAitCnRuPH75ScApMeYelEx9XOucNOuNi+ZpvfFpzQVI6JDI6IngUEKWpHYl+GSMpLJTPUhHRDLD8qJQTnNekdjKzy+D4UkmfJlfuhhz0CssyWqsPKUwf/WgsNmYDPNBdMOVQ8MIciiJxwRGBOPOZcaKAkZEIiXFGJEIFpVxYz3kKjNA8QPsoc3zPfT6iMv8NICbAyxqynQhyI3Nrdfbb97u7L6rlIOfN9/XlypNVnhbEGfO7/CDpUt8tsgfbsMwcLvz8TVsdfavtvDd7Ze725tfP74VSdfd7dfiwueNThGx01YRqdZxEakzf4G05y6PQi7Awhn4AYKVI3jCLaMv2T7PaIHlN7FvkBdqgRVGsbSR/98g/Gn28Fp4aYXBo0/BEtAXn9W10m9QSwMEFAACAAgAyFQXT/7ZBl2gAQAALQYAAB8AAAB1bml2ZXJzYWwvaHRtbF9za2luX3NldHRpbmdzLmpzjZRNb8IwDIbv/Ioqu06IfcJ2Q4NJSBwmjdu0QyimVKRxlIQOhvjvq8NX06aD+NK8ffo6duVsW1GxWMyi12jrnt3+w987DUizegW3vi4a9Ix0ZkQ6g0magUglsAqSHz89ybszETJm0plON59ka0p+DOnNnAtTxlXAQgc0E9DygPYT0NahxL9eZYeq9hWV2jxdWYuyHaO0IG1bos64Y9jNu1vlAisw5qAvoHMeg2fadauJPDs+dSnKXIyZ4nIzxgTbUx4vE40rOWvKv9go0MUPX+6Bzkv3bejZidTYkYWsmnjYo2gmlQZj4JD3eUgRhAWfgij5dtz6B/WM6wVV6Dw1qT3S/TuKMq14ArUu9foUPiYLr1o3uxR1zsLa7omHewqPEHwDumY1eKTwQFQrdcUPVBoT6kgNrff8hArks1Qmh9QdiiBHhyXbpu6dC3XHHzBvhLAyQovARGZNF8cVU2+Dg2sqWcehmRchMZQXA5oKfZyfRO80tnqN0P4rYtxaHi+y4nYobkbqOJjiGfRIzpGEjOsl6AmiKOr5vnTyavLW7g9QSwMEFAACAAgAyFQXTz08L9HBAAAA5QEAABoAAAB1bml2ZXJzYWwvaTE4bl9wcmVzZXRzLnhtbJ2RsQrCMBCG9z5FuN3EbqUkdRPcHHSWmqYaaS8ll1of35SKdJGAQyD/8X0/JCd3r75jT+PJOlSQ8y0wg9o1Fm8Kzqf9pgBGocam7hwaBeiA7apM2rzAozdkArFYgaTgHsJQCjFNE7c0+NhArhtDLCauXS/i6R2K2RTDosLilvYv+zODKssYk9fRduGAVbzHtCCMvFYwOxeN3GLrQPwCGpMATKrBUAJofQJ4DAnAjytAiu+b56RHCvGjYpBitZ4qewNQSwMEFAACAAgAyFQXTwzStqxuAAAAbgAAABwAAAB1bml2ZXJzYWwvbG9jYWxfc2V0dGluZ3MueG1ss7GvyM1RKEstKs7Mz7NVMtQzUFJIzUvOT8nMS7dVCg1x07VQUiguScxLSczJz0u1VcrLV1Kwt+OyyclPTswJTi0pASosVijISaxMLQpJzQUySlL9EnOBKp+2rnjZvEJBV+HJ/nXPpuxU0rfjAgBQSwMEFAACAAgARJRXRyO0Tvv7AgAAsAgAABQAAAB1bml2ZXJzYWwvcGxheWVyLnhtbK1V30/bMBB+LtL+h8jv2C0dA6oExJDQHsaE1LHtrTKJm3hN4sx2COWv39nO76VsSHtolZzv++58993Fv3rOUu+JScVFHqAFniOP5aGIeB4H6OHr7fE5urp8d+QXKd0z6fEoQGXODYCmyIuYCiUvNIDvqU4C1DNgYEZeIbmQXO+B+xS420gnS/TuaAYuuQpQonWxIqSqKswVIPJYibQ0JAqHIiOFZIrlmkni0kBeg13pv6Phl4mc6H3BVA9Z6LcHrklajmfFByTVEgsZk5P5fEF+3H1ehwnL6DHPlaZ5yJAHlZzZUj7ScHcnojJlythmvktyzbQ2SVjbzNcrvjjPPSXDADmHTcaUojFTOM1jRByWTID9bUpVUvOoAa3hVTte81q/jXnfNG62c6RzLsrHlKsEjvqQzjoJ9Mkwqp/Z61oFPTQKujVMyJPsV8kli+zrt1aM8wVyAVvF2TyxqkI4gKdbGmoh9zcAAxXVHcRt07BrGraglgO30dcdBWpuu2VUl5I1pZr5Tzxi4guVkhpZXGpZMp+MjDWWDME+cVeum9Q1xE90lp7+Q2+M36g1P9VrnbGA/9GYT0DU1oTnEXu+5eCjWQY11QyKbWxYFyk2MbucVPmY9XQ9MLkc66bARTxNZcxgDCOqKens5BCUSarAJSzlCNs7OAhOeJyk8NOTDOPTgzQZlbtJht7BQXAqwt0EtDW3ZSTjOo7E1CrIJxPrxA9LpUXGX6w8B3tGr6wOXxu55ui64O3B2fyPURzEaAZziyZWl3nq7avm8N7MqVadz6ZwloFaYR6YLgvn1cxCWYx8IralZapv+jk1+7AHHeU8NR3TXN9B76Ja8xfmVTwyX7rF0tQkYUYzAfpwvuwxQD9huwzCW9OhiFuRN3XAmNg3928r2mz5unWu64c67EMNnzirHMbN1EdQRyxFmUejHuKi+4ioFHbatWTUS9kWbrQ4AZGKIkDv4aG+88XpRXfls8VFg7V53bvALpc3rPQ64U5BpNZ1exG/3g3w+BtQSwMEFAACAAgAyFQXTzXb2a1oAQAA8wIAACkAAAB1bml2ZXJzYWwvc2tpbl9jdXN0b21pemF0aW9uX3NldHRpbmdzLnhtbI1S22obMRB9z1eI/IAljW4LW4OuxZCHQhPyvPWqYYmjLSuFhKKPrzatcdy6tJqnmXPmDDM6fX6ckn3OZX6avg9lmtPnWMqUHvL2CqF+Px/m5dMScyx5c6rcT2mcX3bp67zWWjWXIY3DMtoVzVuMwttDSmrlVMuYYRRJ5qlXyHluG9aB68A2zFFi+81vEj91l7iPqVxW7Tdn6J8Nu5TjUnZpjK9bOGe/h843+LgM49R4eSvYGvU4tTq2BmKES+4r1QAgkOWOOFyl7KQmyGPGMVSjKFBAhHPSiUok5dCy0ImmwnwnEJOMUVepp60baW0ctVVCR4hu07zqbA3BSIwRIQSYq1xAMBg1NjQNDWo9IDgwIKo2mihAwQYTWPXOC8uRol5gXJkxgPHpuKft3p/rVP3vdY7n/IfgxS+4iK7e2lwwV79/XpZGvo1P3w5DiejLkONu/HAd7m5urn958s2/R8Zq1LbxX339A1BLAwQUAAIACADIVBdPYnNrracMAADaIQAAFwAAAHVuaXZlcnNhbC91bml2ZXJzYWwucG5n7ZppWFPX1scPSh2qDFqVKgjaFmgrEi3FMAg4UJAyWUQZJEIblYqSECBGhiStE72iphYFlKl9URQD5I3cJCQxRByI3gBpMRAhHIKGQU4MXIlJyMg9Cbf33g/3w/u8n/Mh5zx7n/3ba+21/vvs9Zwnf9kbF+nw/rr3AQBwiNoTngAA9jEAsBC3ZBHcY97lEwnf7PISIncBLT1uk3DDPnNn7E4AoFOWGb99D24vzdmTkgcAjo8sPzsB9s5hANiIjQrfmXjqkBKMLz08phO8LIgtsCuwG1iUZo/sqDnbduG03ZOzHbgVXqc3LHrcdsN56dLWtbt2uEQkOq9aEf74+qUI5/yT9fVL1QbwiPvE5PQQCtWHyjTfbFnoAu6b2K6uhqbWQcX6aiiPeoyNk3dCz+PDUCheIV55xikUdgmYrftSH8n4Oesj1czuLToJ39znaFlOgH1fROc9R690ono/dyPc8WBjYwTcRmKHTyAtXEB439c9ffgg8Gu48cPuxObRoUgPorjF/s9n+E2WYY7XMxbAN2f7DyzDNlRa+uw7LIM2LPGyNHZusYOvS04vha87nGMsXadtiA2xITbEhtgQG2JDbIgNsSE2xIbYEBtiQ2yIDbEhNuT/jDxk0/jmQssn2Aeb/99TBezfwiaZ9NDfrm2iTtSRSep3z+Np7kVv6EVxyiRlujJTidUGWCaqF+jArRov/wajmkYGJ2e5zOat6GKCrEpc6UnRERy96shmHfTMu+4EQXNov+GgAQxxt3w1PSxpQUmlz5zxRpRW0u1Hzdb0rcmSsa7nJQUvLouu8GUEn6JRTVPuohTTGIKcoui/lT6nl1CpSbThkwZX7H164RR7ot88KwgbZtaO3Z8zG8KKlXNmLd8jBUlOz+IWgE3tmWguon321VMOzsCUSeSkCM1WQZQU1ZbzrVy+ncpOnpaHyZ/XfnU0DABGyoPYGR60yEwE711CsKSJOdlZeyDkPLHuU3reFrasx3dtFp8ryFuDH9HVe5i+JzoPNsc7hbz7PZu1/0SjVDFy3zjqHZZC7lImRxCVm66KJcYrke66jTcSr34oK515sNDJzZWblUZsojPA5KQwl9Ubs8DZYnfppNWnBiVE7zdJRLnNdQKlsDezoY+IVdXVm+DwHoRcsl0Qh06k76vdj5Q1ueYdUCdrdMJHNWeiWPu0pVNvqw+sz+j/8TixaeHvmKqU9ScIi1vxER3FP6dqGd0m3Ek1vk6+uwb1zZWboaI7e3FN7Unqgq9a3oa4dhw5kRTmJL9Y/76zamBDmPktRfr6CzetX+5gILT1ogiZnUQpMG5HrI6Zenz9mLT6zyAFs4s2s53A4lZMV6gYDY0HO3SMXu28tUy66HLQSK1TIUW+vCz4dru3jkf9370efof7JuRvKBfWfZyceOpD6dW3qr1bPxKtaSRj9cPu87ZU+sCQY9wVceNSTfaz1s/O36ivKrLaKlLXeoCKp8TJ8Wo8WvPbocXTClOMfZnfusU0kJNiWkQ2O5BvO/YKUpb70AzDlzJ+eftrqOj13k7NozYRxlB2+jEu7OPMGrRUGTfIb31dS4l+PV6LR5f/3h2i6PT5rcoVAKB714h8bBQ0XgMbuOXbPTk+dC0jN0I+wjiIFC7sT1n/iaSQPtoDtRMIfpX52nT7MiU+T8TZOj/T5YNm40QYS4qtt8ylMZ2n1mCGU5BH6yDRaoJqateWwHrc3webXaEvSuXMxuSE6fV/8AjvCe8Ks8b3+PNLosBQX+5nqqLKriwDLip67TQigXXJsG4br+RZQ92V1h668iQhuPK+cUZIdQqdzVDDO6g6aGX+v+1zxnzoN/PzFgI5L4aLVd0ahrzd6p1BM8WdZuZhFS3vlaUxUYQ1oDyQmn066snPcnPa8fVnKUip28yO8iNiCfthx+ywWPtd+JX3V6qJjb/6/0//kk/VuLPnCmJAkdtHnyd0ob9I7YrTrw3sdlPnsYXtQ80ZMwbZHEk9kFln0g6YTTMUsrEe1HwCDsF6iLosrUjlSKOR2ibXMuEx/qJWDAYAHCW95GZcf3eYovPNwZD+VqN6T8foRWgkz+0nd29EyYedtwImbxrQZOg4quL+1RV7OjkXVqFRNX1bMXWyd/jHV+mgkeeKq8fQKFXfhRNlXKnw2MQdg9uKo1XEgVXZPXeLQsv1Tm+otHb9tB+RYb4f/Gh0ZkyowOMNDXMjXHYmWCkXb2cgGPkKCpdnDR97qA2HXl/GyWb1dTsAD16mQvFLCBwdPNKzegyW2AcZOFBFv7jhG2GD3+dQQk1BwUQNYbASFo5QSVE9XIZoOvMkeRwvl8nRt6uK+i+tjQ5h0sWh1WNIABwCALeGwnjKlL88gUOshPWWO6j1WxHzwxO8SBB08LDP6qWc7PPy8os+cMgKpH899kw5TqnBTKUgG8pxR7uNjEbhtTjXWA7bDgjY7kGa/dZQiIsCSV1w0u/SdrI8qpZ4PXjFmZAHHL/pyxhYZQ91Z0zc6uHc2ZtQ4TzGhOccIjGPrVVw5+f0Quy+6/c9RK8d66225kJUM0sNaJRSYJlGqf1fa9AfdNgnp2mL3YQKGn+4xWM8OjGr0c+Xo/zakkS/E6md+qn5RU4mfhooNFRa9XaKI7kQrdCg+y+lpFpdci02vhVQw4wvnRSywyKImSq5ZIeRhHgIcnvTzzSq8eVRRLdoFmrSItvzscJkGfGNNRNSqKcpMA6JBICS20XNbX/FhB0FK2/hDfS/ZPTe+TBhsSffOIZIEm1XdUGw4kJeGXUqaokH6RTvUs4Cb0UtBR04ubzsN6ZrNKvdOt+jhiNN06EnOZasZ4sHtoGeQYKac73WLBfoJ29LJaXRkNXvBKIDx/QifMvSdJJuDEri6/uCLoixDIrqVSmihdWYfTyGkP5ACwd6dlmg2t0L1CdWvBLnsnyfXWdVhc0bKBOnT60VusVCaFMwC2HNfK3kUFEzkdd207oQzz7Jr1JKrH3Z3syft5tn5dmfTIqZ/g1cxEgRqMKZo7d4o8r3iRj0tPZiNthgXUCNbqYu9T+kNdBp9KfuSZhroTDypQRL7Ctr4eNU8y91JVB40pKyJV5lWhmZTGyMjbhStn125AyVb1JiqdrhIoqhaxPt/r32dxfkfWuXg6ojLrC0xQOe6EDfG+K8E+E/6tsmEZDVtqDRL2jbk5/kGIR1NzPHv/8CATLnFa2Q0LDFm3lYMNSixDuCtD/NFvpJCkW/LP8Iv0ErIpvzmkNFaovppPgQdWLRjh4erdTerS8k/eQfIR7CturDPnh2bIjg/NvbJYIEEWuKdN6i0qNlehHDdz3U39cLHrKGFiWWeFVguPOvDzjhL9oxabuQc02urWcJMiKrhuxK2Fw55ADKr5teufCT5w4UXN6I15PdMyTZqm34QpGIpGmVMuXm399bcBmqRXDht/9uXsHMKfIv8vILn6uH3nSKrHY851X4t6dflmOkVmvSa5uSBiWXDf2WU+KN9FZ0xSCb5VkZ4174+rePN97MX/zCk2WYjCcPYgQ82rJ/rS0T7xV57qluZU0qJFNLcEzTPo41iCvnpejmEp01yZweXwT8UOqCYNI8tI1VBDi7t/XUgNu8VZnOMV6nn30LLbCLxIsqUPkiged/vOfhE8sBACxV1KvpzN7uYNiv54zjksECwsbKGE50LsRbMANwMVUsXFSPqfmfPuG8h9PujsP8gBMAzB7isSK1QbnpnEDYG2KBqhspDSTAq4JECwlYvR6i0sw5Oai6CX3hc4le9VC1M0BL8XXOSdQWD3yFCn4R4q09VqX4QLkYAIbujSp6Me1w0jw0uqBTExm53iQ/ztlsklTffxDb7OTo91P16ETYnA6KJ+v3FW3p4SmVLFn7ZscccT0ldDA0/ST93WdkvMw/EqntIsEV6jf4J+HaGzM+kGk3h32UEYvU+ED0/Lya/p6O0Tjj0fyl0gMN3rWnvsObjbptF/OzpOuegy450ajdbY/Jnfg6blrd99bCxJN0ndX9VtsufbiS/+VQYKWPqeoPzzcz5wxw3SqZPjJTJTM2OHzyqBTR3jbcAJeoIBEudh/wWkgvmTS5MZvC1w6sgUjls7de9nTc9FHDcPU4q3n1DsgUAyWc1VfSRwl8A6hPOJfqXQ6Xrzl8qQBnbhHICOgeVPXnlW4X4K2fjX/58Jy6zrW2L5vR4roQHjY091+q7WrDeBV2cLWlp+RO6jM2lm9ioixFd85Pd69VG+B99PzffyxoNpNx5ZaHD7SZFeJ7jl6MYi1IUJ630r8OPk0mLfFiGOFD+RB4v6B1vYX7O/9O6h7/KweFWWqy77aSI/lDqS2W4VFfxYW37Mo4/Q9QSwMEFAACAAgAyFQXT5XukX5LAAAAawAAABsAAAB1bml2ZXJzYWwvdW5pdmVyc2FsLnBuZy54bWyzsa/IzVEoSy0qzszPs1Uy1DNQsrfj5bIpKEoty0wtV6gAigEFIUBJoRLINUJwyzNTSjKAQgbmZgjBjNTM9IwSWyULA3O4oD7QTABQSwECAAAUAAIACADIVBdPUBdQH3YEAAAREQAAHQAAAAAAAAABAAAAAAAAAAAAdW5pdmVyc2FsL2NvbW1vbl9tZXNzYWdlcy5sbmdQSwECAAAUAAIACADIVBdPuxPRJTkDAACQDAAAJwAAAAAAAAABAAAAAACxBAAAdW5pdmVyc2FsL2ZsYXNoX3B1Ymxpc2hpbmdfc2V0dGluZ3MueG1sUEsBAgAAFAACAAgAyFQXT34dtWa3AgAAUAoAACEAAAAAAAAAAQAAAAAALwgAAHVuaXZlcnNhbC9mbGFzaF9za2luX3NldHRpbmdzLnhtbFBLAQIAABQAAgAIAMhUF097Gdv7DAMAAKELAAAmAAAAAAAAAAEAAAAAACULAAB1bml2ZXJzYWwvaHRtbF9wdWJsaXNoaW5nX3NldHRpbmdzLnhtbFBLAQIAABQAAgAIAMhUF0/+2QZdoAEAAC0GAAAfAAAAAAAAAAEAAAAAAHUOAAB1bml2ZXJzYWwvaHRtbF9za2luX3NldHRpbmdzLmpzUEsBAgAAFAACAAgAyFQXTz08L9HBAAAA5QEAABoAAAAAAAAAAQAAAAAAUhAAAHVuaXZlcnNhbC9pMThuX3ByZXNldHMueG1sUEsBAgAAFAACAAgAyFQXTwzStqxuAAAAbgAAABwAAAAAAAAAAQAAAAAASxEAAHVuaXZlcnNhbC9sb2NhbF9zZXR0aW5ncy54bWxQSwECAAAUAAIACABElFdHI7RO+/sCAACwCAAAFAAAAAAAAAABAAAAAADzEQAAdW5pdmVyc2FsL3BsYXllci54bWxQSwECAAAUAAIACADIVBdPNdvZrWgBAADzAgAAKQAAAAAAAAABAAAAAAAgFQAAdW5pdmVyc2FsL3NraW5fY3VzdG9taXphdGlvbl9zZXR0aW5ncy54bWxQSwECAAAUAAIACADIVBdPYnNrracMAADaIQAAFwAAAAAAAAAAAAAAAADPFgAAdW5pdmVyc2FsL3VuaXZlcnNhbC5wbmdQSwECAAAUAAIACADIVBdPle6RfksAAABrAAAAGwAAAAAAAAABAAAAAACrIwAAdW5pdmVyc2FsL3VuaXZlcnNhbC5wbmcueG1sUEsFBgAAAAALAAsASQMAAC8kAAAAAA=="/>
   <p:tag name="ISPRING_SCORM_ENDPOINT" val="&lt;endpoint&gt;&lt;enable&gt;0&lt;/enable&gt;&lt;lrs&gt;http://&lt;/lrs&gt;&lt;auth&gt;0&lt;/auth&gt;&lt;login&gt;&lt;/login&gt;&lt;password&gt;&lt;/password&gt;&lt;key&gt;&lt;/key&gt;&lt;name&gt;&lt;/name&gt;&lt;email&gt;&lt;/email&gt;&lt;/endpoint&gt;&#10;"/>
   <p:tag name="ISPRING_PRESENTATION_TITLE" val="32995"/>
+</p:tagLst>
+</file>
+
+<file path=ppt/tags/tag2.xml><?xml version="1.0" encoding="utf-8"?>
+<p:tagLst xmlns:p="http://schemas.openxmlformats.org/presentationml/2006/main">
+  <p:tag name="KSO_WM_BEAUTIFY_FLAG" val=""/>
+</p:tagLst>
+</file>
+
+<file path=ppt/tags/tag3.xml><?xml version="1.0" encoding="utf-8"?>
+<p:tagLst xmlns:p="http://schemas.openxmlformats.org/presentationml/2006/main">
+  <p:tag name="KSO_WM_UNIT_TABLE_BEAUTIFY" val="smartTable{0e85eac2-a81e-46a9-adc5-6f99b5b9bdd8}"/>
+  <p:tag name="TABLE_ENDDRAG_ORIGIN_RECT" val="918*355"/>
+  <p:tag name="TABLE_ENDDRAG_RECT" val="41*184*918*355"/>
+</p:tagLst>
+</file>
+
+<file path=ppt/tags/tag4.xml><?xml version="1.0" encoding="utf-8"?>
+<p:tagLst xmlns:p="http://schemas.openxmlformats.org/presentationml/2006/main">
+  <p:tag name="KSO_WM_UNIT_FLASH_PICTURE_TYPE" val="1"/>
+</p:tagLst>
+</file>
+
+<file path=ppt/tags/tag5.xml><?xml version="1.0" encoding="utf-8"?>
+<p:tagLst xmlns:p="http://schemas.openxmlformats.org/presentationml/2006/main">
+  <p:tag name="KSO_WM_UNIT_TABLE_BEAUTIFY" val="smartTable{56f6d7db-e7be-4d6e-9fde-a29ae4bc16bf}"/>
+  <p:tag name="TABLE_ENDDRAG_ORIGIN_RECT" val="959*314"/>
+  <p:tag name="TABLE_ENDDRAG_RECT" val="0*226*960*314"/>
+</p:tagLst>
+</file>
+
+<file path=ppt/tags/tag6.xml><?xml version="1.0" encoding="utf-8"?>
+<p:tagLst xmlns:p="http://schemas.openxmlformats.org/presentationml/2006/main">
+  <p:tag name="KSO_WM_UNIT_TABLE_BEAUTIFY" val="smartTable{23b34eb5-f057-471b-a3e1-93e51de1880d}"/>
+  <p:tag name="TABLE_ENDDRAG_ORIGIN_RECT" val="960*455"/>
+  <p:tag name="TABLE_ENDDRAG_RECT" val="0*84*960*455"/>
+</p:tagLst>
+</file>
+
+<file path=ppt/tags/tag7.xml><?xml version="1.0" encoding="utf-8"?>
+<p:tagLst xmlns:p="http://schemas.openxmlformats.org/presentationml/2006/main">
+  <p:tag name="KSO_WM_UNIT_TABLE_BEAUTIFY" val="smartTable{79fc806b-1698-4a56-b19d-a65105b6cbd4}"/>
+  <p:tag name="TABLE_ENDDRAG_ORIGIN_RECT" val="959*348"/>
+  <p:tag name="TABLE_ENDDRAG_RECT" val="0*191*959*348"/>
+</p:tagLst>
+</file>
+
+<file path=ppt/tags/tag8.xml><?xml version="1.0" encoding="utf-8"?>
+<p:tagLst xmlns:p="http://schemas.openxmlformats.org/presentationml/2006/main">
+  <p:tag name="KSO_WM_UNIT_TABLE_BEAUTIFY" val="smartTable{959bd92b-9e79-477c-926e-b4f88ff021c6}"/>
+  <p:tag name="TABLE_ENDDRAG_ORIGIN_RECT" val="960*309"/>
+  <p:tag name="TABLE_ENDDRAG_RECT" val="0*230*960*309"/>
+</p:tagLst>
+</file>
+
+<file path=ppt/tags/tag9.xml><?xml version="1.0" encoding="utf-8"?>
+<p:tagLst xmlns:p="http://schemas.openxmlformats.org/presentationml/2006/main">
+  <p:tag name="KSO_WM_UNIT_TABLE_BEAUTIFY" val="smartTable{2e93a4d0-8f64-4dd1-b75e-6b0e4871c103}"/>
+  <p:tag name="TABLE_ENDDRAG_ORIGIN_RECT" val="955*377"/>
+  <p:tag name="TABLE_ENDDRAG_RECT" val="0*164*955*377"/>
 </p:tagLst>
 </file>
 
